--- a/plots/New Microsoft PowerPoint Presentation.pptx
+++ b/plots/New Microsoft PowerPoint Presentation.pptx
@@ -3343,10 +3343,10 @@
         </p:nvGrpSpPr>
         <p:grpSpPr>
           <a:xfrm>
-            <a:off x="0" y="377252"/>
-            <a:ext cx="12192002" cy="3195225"/>
-            <a:chOff x="0" y="377252"/>
-            <a:chExt cx="12192002" cy="3195225"/>
+            <a:off x="1" y="377252"/>
+            <a:ext cx="12192000" cy="3195225"/>
+            <a:chOff x="1" y="377252"/>
+            <a:chExt cx="12192000" cy="3195225"/>
           </a:xfrm>
         </p:grpSpPr>
         <p:pic>
@@ -3376,8 +3376,8 @@
           </p:blipFill>
           <p:spPr>
             <a:xfrm>
-              <a:off x="8045142" y="463518"/>
-              <a:ext cx="4146860" cy="3108959"/>
+              <a:off x="8045143" y="463518"/>
+              <a:ext cx="4146858" cy="3108959"/>
             </a:xfrm>
             <a:prstGeom prst="rect">
               <a:avLst/>
@@ -3411,8 +3411,8 @@
           </p:blipFill>
           <p:spPr>
             <a:xfrm>
-              <a:off x="0" y="463518"/>
-              <a:ext cx="4146860" cy="3108959"/>
+              <a:off x="1" y="463518"/>
+              <a:ext cx="4146858" cy="3108959"/>
             </a:xfrm>
             <a:prstGeom prst="rect">
               <a:avLst/>
@@ -3446,8 +3446,8 @@
           </p:blipFill>
           <p:spPr>
             <a:xfrm>
-              <a:off x="3898282" y="463518"/>
-              <a:ext cx="4146860" cy="3108959"/>
+              <a:off x="3898283" y="463518"/>
+              <a:ext cx="4146858" cy="3108959"/>
             </a:xfrm>
             <a:prstGeom prst="rect">
               <a:avLst/>
@@ -3575,15 +3575,23 @@
           <p:nvPr/>
         </p:nvPicPr>
         <p:blipFill>
-          <a:blip r:embed="rId5"/>
-          <a:stretch>
-            <a:fillRect/>
-          </a:stretch>
+          <a:blip r:embed="rId5">
+            <a:extLst>
+              <a:ext uri="{28A0092B-C50C-407E-A947-70E740481C1C}">
+                <a14:useLocalDpi xmlns:a14="http://schemas.microsoft.com/office/drawing/2010/main" val="0"/>
+              </a:ext>
+              <a:ext uri="{96DAC541-7B7A-43D3-8B79-37D633B846F1}">
+                <asvg:svgBlip xmlns:asvg="http://schemas.microsoft.com/office/drawing/2016/SVG/main" r:embed="rId6"/>
+              </a:ext>
+            </a:extLst>
+          </a:blip>
+          <a:srcRect/>
+          <a:stretch/>
         </p:blipFill>
         <p:spPr>
           <a:xfrm>
-            <a:off x="-2019996" y="3122763"/>
-            <a:ext cx="15197687" cy="4032504"/>
+            <a:off x="-2007227" y="3122763"/>
+            <a:ext cx="15172148" cy="4032504"/>
           </a:xfrm>
           <a:prstGeom prst="rect">
             <a:avLst/>
@@ -3634,10 +3642,10 @@
         </p:nvGrpSpPr>
         <p:grpSpPr>
           <a:xfrm>
-            <a:off x="0" y="-2"/>
-            <a:ext cx="12144475" cy="3186598"/>
-            <a:chOff x="0" y="-2"/>
-            <a:chExt cx="12144475" cy="3186598"/>
+            <a:off x="1" y="-2"/>
+            <a:ext cx="12144473" cy="3186598"/>
+            <a:chOff x="1" y="-2"/>
+            <a:chExt cx="12144473" cy="3186598"/>
           </a:xfrm>
         </p:grpSpPr>
         <p:pic>
@@ -3667,8 +3675,8 @@
           </p:blipFill>
           <p:spPr>
             <a:xfrm>
-              <a:off x="0" y="77637"/>
-              <a:ext cx="4146860" cy="3108959"/>
+              <a:off x="1" y="77637"/>
+              <a:ext cx="4146858" cy="3108959"/>
             </a:xfrm>
             <a:prstGeom prst="rect">
               <a:avLst/>
@@ -3702,8 +3710,8 @@
           </p:blipFill>
           <p:spPr>
             <a:xfrm>
-              <a:off x="3850755" y="77637"/>
-              <a:ext cx="4146860" cy="3108959"/>
+              <a:off x="3850756" y="77637"/>
+              <a:ext cx="4146858" cy="3108959"/>
             </a:xfrm>
             <a:prstGeom prst="rect">
               <a:avLst/>
@@ -3737,8 +3745,8 @@
           </p:blipFill>
           <p:spPr>
             <a:xfrm>
-              <a:off x="7997615" y="77637"/>
-              <a:ext cx="4146860" cy="3108959"/>
+              <a:off x="7997616" y="77637"/>
+              <a:ext cx="4146858" cy="3108959"/>
             </a:xfrm>
             <a:prstGeom prst="rect">
               <a:avLst/>
@@ -3853,10 +3861,10 @@
       </p:grpSp>
       <p:pic>
         <p:nvPicPr>
-          <p:cNvPr id="2" name="Picture 1">
-            <a:extLst>
-              <a:ext uri="{FF2B5EF4-FFF2-40B4-BE49-F238E27FC236}">
-                <a16:creationId xmlns:a16="http://schemas.microsoft.com/office/drawing/2014/main" id="{B5783CB2-7650-B52E-CE77-43AE3BD1BE0D}"/>
+          <p:cNvPr id="6" name="Picture 1">
+            <a:extLst>
+              <a:ext uri="{FF2B5EF4-FFF2-40B4-BE49-F238E27FC236}">
+                <a16:creationId xmlns:a16="http://schemas.microsoft.com/office/drawing/2014/main" id="{205AB16A-5A00-561B-39C5-B843045B32FF}"/>
               </a:ext>
             </a:extLst>
           </p:cNvPr>
@@ -3866,15 +3874,23 @@
           <p:nvPr/>
         </p:nvPicPr>
         <p:blipFill>
-          <a:blip r:embed="rId5"/>
-          <a:stretch>
-            <a:fillRect/>
-          </a:stretch>
+          <a:blip r:embed="rId5">
+            <a:extLst>
+              <a:ext uri="{28A0092B-C50C-407E-A947-70E740481C1C}">
+                <a14:useLocalDpi xmlns:a14="http://schemas.microsoft.com/office/drawing/2010/main" val="0"/>
+              </a:ext>
+              <a:ext uri="{96DAC541-7B7A-43D3-8B79-37D633B846F1}">
+                <asvg:svgBlip xmlns:asvg="http://schemas.microsoft.com/office/drawing/2016/SVG/main" r:embed="rId6"/>
+              </a:ext>
+            </a:extLst>
+          </a:blip>
+          <a:srcRect/>
+          <a:stretch/>
         </p:blipFill>
         <p:spPr>
           <a:xfrm>
-            <a:off x="-2840580" y="2621254"/>
-            <a:ext cx="15117110" cy="4029712"/>
+            <a:off x="-1946588" y="3264233"/>
+            <a:ext cx="15121890" cy="4032504"/>
           </a:xfrm>
           <a:prstGeom prst="rect">
             <a:avLst/>

--- a/plots/New Microsoft PowerPoint Presentation.pptx
+++ b/plots/New Microsoft PowerPoint Presentation.pptx
@@ -7,8 +7,10 @@
   <p:sldIdLst>
     <p:sldId id="256" r:id="rId2"/>
     <p:sldId id="257" r:id="rId3"/>
-    <p:sldId id="258" r:id="rId4"/>
-    <p:sldId id="259" r:id="rId5"/>
+    <p:sldId id="260" r:id="rId4"/>
+    <p:sldId id="261" r:id="rId5"/>
+    <p:sldId id="258" r:id="rId6"/>
+    <p:sldId id="259" r:id="rId7"/>
   </p:sldIdLst>
   <p:sldSz cx="12192000" cy="6858000"/>
   <p:notesSz cx="6858000" cy="9144000"/>
@@ -262,7 +264,7 @@
           <a:p>
             <a:fld id="{02DA08FB-08A0-4A0C-A2C2-9318E5323881}" type="datetimeFigureOut">
               <a:rPr lang="en-US" smtClean="0"/>
-              <a:t>3/3/2023</a:t>
+              <a:t>3/10/2023</a:t>
             </a:fld>
             <a:endParaRPr lang="en-US"/>
           </a:p>
@@ -460,7 +462,7 @@
           <a:p>
             <a:fld id="{02DA08FB-08A0-4A0C-A2C2-9318E5323881}" type="datetimeFigureOut">
               <a:rPr lang="en-US" smtClean="0"/>
-              <a:t>3/3/2023</a:t>
+              <a:t>3/10/2023</a:t>
             </a:fld>
             <a:endParaRPr lang="en-US"/>
           </a:p>
@@ -668,7 +670,7 @@
           <a:p>
             <a:fld id="{02DA08FB-08A0-4A0C-A2C2-9318E5323881}" type="datetimeFigureOut">
               <a:rPr lang="en-US" smtClean="0"/>
-              <a:t>3/3/2023</a:t>
+              <a:t>3/10/2023</a:t>
             </a:fld>
             <a:endParaRPr lang="en-US"/>
           </a:p>
@@ -866,7 +868,7 @@
           <a:p>
             <a:fld id="{02DA08FB-08A0-4A0C-A2C2-9318E5323881}" type="datetimeFigureOut">
               <a:rPr lang="en-US" smtClean="0"/>
-              <a:t>3/3/2023</a:t>
+              <a:t>3/10/2023</a:t>
             </a:fld>
             <a:endParaRPr lang="en-US"/>
           </a:p>
@@ -1141,7 +1143,7 @@
           <a:p>
             <a:fld id="{02DA08FB-08A0-4A0C-A2C2-9318E5323881}" type="datetimeFigureOut">
               <a:rPr lang="en-US" smtClean="0"/>
-              <a:t>3/3/2023</a:t>
+              <a:t>3/10/2023</a:t>
             </a:fld>
             <a:endParaRPr lang="en-US"/>
           </a:p>
@@ -1406,7 +1408,7 @@
           <a:p>
             <a:fld id="{02DA08FB-08A0-4A0C-A2C2-9318E5323881}" type="datetimeFigureOut">
               <a:rPr lang="en-US" smtClean="0"/>
-              <a:t>3/3/2023</a:t>
+              <a:t>3/10/2023</a:t>
             </a:fld>
             <a:endParaRPr lang="en-US"/>
           </a:p>
@@ -1818,7 +1820,7 @@
           <a:p>
             <a:fld id="{02DA08FB-08A0-4A0C-A2C2-9318E5323881}" type="datetimeFigureOut">
               <a:rPr lang="en-US" smtClean="0"/>
-              <a:t>3/3/2023</a:t>
+              <a:t>3/10/2023</a:t>
             </a:fld>
             <a:endParaRPr lang="en-US"/>
           </a:p>
@@ -1959,7 +1961,7 @@
           <a:p>
             <a:fld id="{02DA08FB-08A0-4A0C-A2C2-9318E5323881}" type="datetimeFigureOut">
               <a:rPr lang="en-US" smtClean="0"/>
-              <a:t>3/3/2023</a:t>
+              <a:t>3/10/2023</a:t>
             </a:fld>
             <a:endParaRPr lang="en-US"/>
           </a:p>
@@ -2072,7 +2074,7 @@
           <a:p>
             <a:fld id="{02DA08FB-08A0-4A0C-A2C2-9318E5323881}" type="datetimeFigureOut">
               <a:rPr lang="en-US" smtClean="0"/>
-              <a:t>3/3/2023</a:t>
+              <a:t>3/10/2023</a:t>
             </a:fld>
             <a:endParaRPr lang="en-US"/>
           </a:p>
@@ -2383,7 +2385,7 @@
           <a:p>
             <a:fld id="{02DA08FB-08A0-4A0C-A2C2-9318E5323881}" type="datetimeFigureOut">
               <a:rPr lang="en-US" smtClean="0"/>
-              <a:t>3/3/2023</a:t>
+              <a:t>3/10/2023</a:t>
             </a:fld>
             <a:endParaRPr lang="en-US"/>
           </a:p>
@@ -2671,7 +2673,7 @@
           <a:p>
             <a:fld id="{02DA08FB-08A0-4A0C-A2C2-9318E5323881}" type="datetimeFigureOut">
               <a:rPr lang="en-US" smtClean="0"/>
-              <a:t>3/3/2023</a:t>
+              <a:t>3/10/2023</a:t>
             </a:fld>
             <a:endParaRPr lang="en-US"/>
           </a:p>
@@ -2912,7 +2914,7 @@
           <a:p>
             <a:fld id="{02DA08FB-08A0-4A0C-A2C2-9318E5323881}" type="datetimeFigureOut">
               <a:rPr lang="en-US" smtClean="0"/>
-              <a:t>3/3/2023</a:t>
+              <a:t>3/10/2023</a:t>
             </a:fld>
             <a:endParaRPr lang="en-US"/>
           </a:p>
@@ -3343,10 +3345,10 @@
         </p:nvGrpSpPr>
         <p:grpSpPr>
           <a:xfrm>
-            <a:off x="1" y="377252"/>
-            <a:ext cx="12192000" cy="3195225"/>
-            <a:chOff x="1" y="377252"/>
-            <a:chExt cx="12192000" cy="3195225"/>
+            <a:off x="0" y="377252"/>
+            <a:ext cx="12192001" cy="3195224"/>
+            <a:chOff x="0" y="377252"/>
+            <a:chExt cx="12192001" cy="3195224"/>
           </a:xfrm>
         </p:grpSpPr>
         <p:pic>
@@ -3377,7 +3379,7 @@
           <p:spPr>
             <a:xfrm>
               <a:off x="8045143" y="463518"/>
-              <a:ext cx="4146858" cy="3108959"/>
+              <a:ext cx="4146858" cy="3108958"/>
             </a:xfrm>
             <a:prstGeom prst="rect">
               <a:avLst/>
@@ -3411,8 +3413,8 @@
           </p:blipFill>
           <p:spPr>
             <a:xfrm>
-              <a:off x="1" y="463518"/>
-              <a:ext cx="4146858" cy="3108959"/>
+              <a:off x="0" y="463518"/>
+              <a:ext cx="4146858" cy="3108958"/>
             </a:xfrm>
             <a:prstGeom prst="rect">
               <a:avLst/>
@@ -3447,7 +3449,7 @@
           <p:spPr>
             <a:xfrm>
               <a:off x="3898283" y="463518"/>
-              <a:ext cx="4146858" cy="3108959"/>
+              <a:ext cx="4146858" cy="3108958"/>
             </a:xfrm>
             <a:prstGeom prst="rect">
               <a:avLst/>
@@ -3562,10 +3564,10 @@
       </p:grpSp>
       <p:pic>
         <p:nvPicPr>
-          <p:cNvPr id="2" name="Picture 1">
-            <a:extLst>
-              <a:ext uri="{FF2B5EF4-FFF2-40B4-BE49-F238E27FC236}">
-                <a16:creationId xmlns:a16="http://schemas.microsoft.com/office/drawing/2014/main" id="{1ED2C2E6-91D1-5101-6582-6DC8A1BD5812}"/>
+          <p:cNvPr id="4" name="Picture 3">
+            <a:extLst>
+              <a:ext uri="{FF2B5EF4-FFF2-40B4-BE49-F238E27FC236}">
+                <a16:creationId xmlns:a16="http://schemas.microsoft.com/office/drawing/2014/main" id="{5A21D06A-73FB-4B70-2C2C-4B91999F32C6}"/>
               </a:ext>
             </a:extLst>
           </p:cNvPr>
@@ -3574,24 +3576,15 @@
           </p:cNvPicPr>
           <p:nvPr/>
         </p:nvPicPr>
-        <p:blipFill>
-          <a:blip r:embed="rId5">
-            <a:extLst>
-              <a:ext uri="{28A0092B-C50C-407E-A947-70E740481C1C}">
-                <a14:useLocalDpi xmlns:a14="http://schemas.microsoft.com/office/drawing/2010/main" val="0"/>
-              </a:ext>
-              <a:ext uri="{96DAC541-7B7A-43D3-8B79-37D633B846F1}">
-                <asvg:svgBlip xmlns:asvg="http://schemas.microsoft.com/office/drawing/2016/SVG/main" r:embed="rId6"/>
-              </a:ext>
-            </a:extLst>
-          </a:blip>
-          <a:srcRect/>
+        <p:blipFill rotWithShape="1">
+          <a:blip r:embed="rId5"/>
+          <a:srcRect t="3896"/>
           <a:stretch/>
         </p:blipFill>
         <p:spPr>
           <a:xfrm>
-            <a:off x="-2007227" y="3122763"/>
-            <a:ext cx="15172148" cy="4032504"/>
+            <a:off x="63233" y="3658740"/>
+            <a:ext cx="12192000" cy="3108958"/>
           </a:xfrm>
           <a:prstGeom prst="rect">
             <a:avLst/>
@@ -3642,10 +3635,10 @@
         </p:nvGrpSpPr>
         <p:grpSpPr>
           <a:xfrm>
-            <a:off x="1" y="-2"/>
-            <a:ext cx="12144473" cy="3186598"/>
+            <a:off x="23763" y="0"/>
+            <a:ext cx="12144473" cy="3186597"/>
             <a:chOff x="1" y="-2"/>
-            <a:chExt cx="12144473" cy="3186598"/>
+            <a:chExt cx="12144473" cy="3186597"/>
           </a:xfrm>
         </p:grpSpPr>
         <p:pic>
@@ -3676,7 +3669,7 @@
           <p:spPr>
             <a:xfrm>
               <a:off x="1" y="77637"/>
-              <a:ext cx="4146858" cy="3108959"/>
+              <a:ext cx="4146858" cy="3108958"/>
             </a:xfrm>
             <a:prstGeom prst="rect">
               <a:avLst/>
@@ -3711,7 +3704,7 @@
           <p:spPr>
             <a:xfrm>
               <a:off x="3850756" y="77637"/>
-              <a:ext cx="4146858" cy="3108959"/>
+              <a:ext cx="4146858" cy="3108958"/>
             </a:xfrm>
             <a:prstGeom prst="rect">
               <a:avLst/>
@@ -3746,7 +3739,7 @@
           <p:spPr>
             <a:xfrm>
               <a:off x="7997616" y="77637"/>
-              <a:ext cx="4146858" cy="3108959"/>
+              <a:ext cx="4146858" cy="3108958"/>
             </a:xfrm>
             <a:prstGeom prst="rect">
               <a:avLst/>
@@ -3861,10 +3854,10 @@
       </p:grpSp>
       <p:pic>
         <p:nvPicPr>
-          <p:cNvPr id="6" name="Picture 1">
-            <a:extLst>
-              <a:ext uri="{FF2B5EF4-FFF2-40B4-BE49-F238E27FC236}">
-                <a16:creationId xmlns:a16="http://schemas.microsoft.com/office/drawing/2014/main" id="{205AB16A-5A00-561B-39C5-B843045B32FF}"/>
+          <p:cNvPr id="2" name="Picture 1">
+            <a:extLst>
+              <a:ext uri="{FF2B5EF4-FFF2-40B4-BE49-F238E27FC236}">
+                <a16:creationId xmlns:a16="http://schemas.microsoft.com/office/drawing/2014/main" id="{203B24F9-2C05-FE8A-2A31-3D273F8FA374}"/>
               </a:ext>
             </a:extLst>
           </p:cNvPr>
@@ -3873,24 +3866,15 @@
           </p:cNvPicPr>
           <p:nvPr/>
         </p:nvPicPr>
-        <p:blipFill>
-          <a:blip r:embed="rId5">
-            <a:extLst>
-              <a:ext uri="{28A0092B-C50C-407E-A947-70E740481C1C}">
-                <a14:useLocalDpi xmlns:a14="http://schemas.microsoft.com/office/drawing/2010/main" val="0"/>
-              </a:ext>
-              <a:ext uri="{96DAC541-7B7A-43D3-8B79-37D633B846F1}">
-                <asvg:svgBlip xmlns:asvg="http://schemas.microsoft.com/office/drawing/2016/SVG/main" r:embed="rId6"/>
-              </a:ext>
-            </a:extLst>
-          </a:blip>
-          <a:srcRect/>
+        <p:blipFill rotWithShape="1">
+          <a:blip r:embed="rId5"/>
+          <a:srcRect t="3963"/>
           <a:stretch/>
         </p:blipFill>
         <p:spPr>
           <a:xfrm>
-            <a:off x="-1946588" y="3264233"/>
-            <a:ext cx="15121890" cy="4032504"/>
+            <a:off x="0" y="3565061"/>
+            <a:ext cx="12144285" cy="3108958"/>
           </a:xfrm>
           <a:prstGeom prst="rect">
             <a:avLst/>
@@ -3911,6 +3895,186 @@
 </file>
 
 <file path=ppt/slides/slide3.xml><?xml version="1.0" encoding="utf-8"?>
+<p:sld xmlns:a="http://schemas.openxmlformats.org/drawingml/2006/main" xmlns:r="http://schemas.openxmlformats.org/officeDocument/2006/relationships" xmlns:p="http://schemas.openxmlformats.org/presentationml/2006/main">
+  <p:cSld>
+    <p:spTree>
+      <p:nvGrpSpPr>
+        <p:cNvPr id="1" name=""/>
+        <p:cNvGrpSpPr/>
+        <p:nvPr/>
+      </p:nvGrpSpPr>
+      <p:grpSpPr>
+        <a:xfrm>
+          <a:off x="0" y="0"/>
+          <a:ext cx="0" cy="0"/>
+          <a:chOff x="0" y="0"/>
+          <a:chExt cx="0" cy="0"/>
+        </a:xfrm>
+      </p:grpSpPr>
+      <p:grpSp>
+        <p:nvGrpSpPr>
+          <p:cNvPr id="4" name="Group 3">
+            <a:extLst>
+              <a:ext uri="{FF2B5EF4-FFF2-40B4-BE49-F238E27FC236}">
+                <a16:creationId xmlns:a16="http://schemas.microsoft.com/office/drawing/2014/main" id="{78271712-39D2-1885-0126-741BD029F6CE}"/>
+              </a:ext>
+            </a:extLst>
+          </p:cNvPr>
+          <p:cNvGrpSpPr/>
+          <p:nvPr/>
+        </p:nvGrpSpPr>
+        <p:grpSpPr>
+          <a:xfrm>
+            <a:off x="-1515203" y="228600"/>
+            <a:ext cx="14748603" cy="7607806"/>
+            <a:chOff x="-1515203" y="228600"/>
+            <a:chExt cx="14748603" cy="7607806"/>
+          </a:xfrm>
+        </p:grpSpPr>
+        <p:pic>
+          <p:nvPicPr>
+            <p:cNvPr id="2" name="Picture 1">
+              <a:extLst>
+                <a:ext uri="{FF2B5EF4-FFF2-40B4-BE49-F238E27FC236}">
+                  <a16:creationId xmlns:a16="http://schemas.microsoft.com/office/drawing/2014/main" id="{73DB09BE-8A26-0E9F-28E1-1F2727D14B1E}"/>
+                </a:ext>
+              </a:extLst>
+            </p:cNvPr>
+            <p:cNvPicPr>
+              <a:picLocks noChangeAspect="1"/>
+            </p:cNvPicPr>
+            <p:nvPr/>
+          </p:nvPicPr>
+          <p:blipFill rotWithShape="1">
+            <a:blip r:embed="rId2">
+              <a:extLst>
+                <a:ext uri="{28A0092B-C50C-407E-A947-70E740481C1C}">
+                  <a14:useLocalDpi xmlns:a14="http://schemas.microsoft.com/office/drawing/2010/main" val="0"/>
+                </a:ext>
+              </a:extLst>
+            </a:blip>
+            <a:srcRect l="565" r="565"/>
+            <a:stretch/>
+          </p:blipFill>
+          <p:spPr>
+            <a:xfrm>
+              <a:off x="-1515203" y="228600"/>
+              <a:ext cx="14748603" cy="3803903"/>
+            </a:xfrm>
+            <a:prstGeom prst="rect">
+              <a:avLst/>
+            </a:prstGeom>
+          </p:spPr>
+        </p:pic>
+        <p:pic>
+          <p:nvPicPr>
+            <p:cNvPr id="3" name="Picture 1">
+              <a:extLst>
+                <a:ext uri="{FF2B5EF4-FFF2-40B4-BE49-F238E27FC236}">
+                  <a16:creationId xmlns:a16="http://schemas.microsoft.com/office/drawing/2014/main" id="{F1DDF306-E023-19EA-2FE3-EC8878A7694C}"/>
+                </a:ext>
+              </a:extLst>
+            </p:cNvPr>
+            <p:cNvPicPr>
+              <a:picLocks noChangeAspect="1"/>
+            </p:cNvPicPr>
+            <p:nvPr/>
+          </p:nvPicPr>
+          <p:blipFill rotWithShape="1">
+            <a:blip r:embed="rId3">
+              <a:extLst>
+                <a:ext uri="{28A0092B-C50C-407E-A947-70E740481C1C}">
+                  <a14:useLocalDpi xmlns:a14="http://schemas.microsoft.com/office/drawing/2010/main" val="0"/>
+                </a:ext>
+              </a:extLst>
+            </a:blip>
+            <a:srcRect l="465" r="465"/>
+            <a:stretch/>
+          </p:blipFill>
+          <p:spPr>
+            <a:xfrm>
+              <a:off x="-1485900" y="4032503"/>
+              <a:ext cx="14719299" cy="3803903"/>
+            </a:xfrm>
+            <a:prstGeom prst="rect">
+              <a:avLst/>
+            </a:prstGeom>
+          </p:spPr>
+        </p:pic>
+      </p:grpSp>
+    </p:spTree>
+    <p:extLst>
+      <p:ext uri="{BB962C8B-B14F-4D97-AF65-F5344CB8AC3E}">
+        <p14:creationId xmlns:p14="http://schemas.microsoft.com/office/powerpoint/2010/main" val="111010037"/>
+      </p:ext>
+    </p:extLst>
+  </p:cSld>
+  <p:clrMapOvr>
+    <a:masterClrMapping/>
+  </p:clrMapOvr>
+</p:sld>
+</file>
+
+<file path=ppt/slides/slide4.xml><?xml version="1.0" encoding="utf-8"?>
+<p:sld xmlns:a="http://schemas.openxmlformats.org/drawingml/2006/main" xmlns:r="http://schemas.openxmlformats.org/officeDocument/2006/relationships" xmlns:p="http://schemas.openxmlformats.org/presentationml/2006/main">
+  <p:cSld>
+    <p:spTree>
+      <p:nvGrpSpPr>
+        <p:cNvPr id="1" name=""/>
+        <p:cNvGrpSpPr/>
+        <p:nvPr/>
+      </p:nvGrpSpPr>
+      <p:grpSpPr>
+        <a:xfrm>
+          <a:off x="0" y="0"/>
+          <a:ext cx="0" cy="0"/>
+          <a:chOff x="0" y="0"/>
+          <a:chExt cx="0" cy="0"/>
+        </a:xfrm>
+      </p:grpSpPr>
+      <p:pic>
+        <p:nvPicPr>
+          <p:cNvPr id="3" name="Picture 2">
+            <a:extLst>
+              <a:ext uri="{FF2B5EF4-FFF2-40B4-BE49-F238E27FC236}">
+                <a16:creationId xmlns:a16="http://schemas.microsoft.com/office/drawing/2014/main" id="{BF076591-D46B-F36F-4238-131AC5375DE7}"/>
+              </a:ext>
+            </a:extLst>
+          </p:cNvPr>
+          <p:cNvPicPr>
+            <a:picLocks noChangeAspect="1"/>
+          </p:cNvPicPr>
+          <p:nvPr/>
+        </p:nvPicPr>
+        <p:blipFill rotWithShape="1">
+          <a:blip r:embed="rId2"/>
+          <a:srcRect r="1368"/>
+          <a:stretch/>
+        </p:blipFill>
+        <p:spPr>
+          <a:xfrm>
+            <a:off x="0" y="287796"/>
+            <a:ext cx="12025223" cy="6282407"/>
+          </a:xfrm>
+          <a:prstGeom prst="rect">
+            <a:avLst/>
+          </a:prstGeom>
+        </p:spPr>
+      </p:pic>
+    </p:spTree>
+    <p:extLst>
+      <p:ext uri="{BB962C8B-B14F-4D97-AF65-F5344CB8AC3E}">
+        <p14:creationId xmlns:p14="http://schemas.microsoft.com/office/powerpoint/2010/main" val="1823562368"/>
+      </p:ext>
+    </p:extLst>
+  </p:cSld>
+  <p:clrMapOvr>
+    <a:masterClrMapping/>
+  </p:clrMapOvr>
+</p:sld>
+</file>
+
+<file path=ppt/slides/slide5.xml><?xml version="1.0" encoding="utf-8"?>
 <p:sld xmlns:a="http://schemas.openxmlformats.org/drawingml/2006/main" xmlns:r="http://schemas.openxmlformats.org/officeDocument/2006/relationships" xmlns:p="http://schemas.openxmlformats.org/presentationml/2006/main">
   <p:cSld>
     <p:spTree>
@@ -4101,7 +4265,7 @@
 </p:sld>
 </file>
 
-<file path=ppt/slides/slide4.xml><?xml version="1.0" encoding="utf-8"?>
+<file path=ppt/slides/slide6.xml><?xml version="1.0" encoding="utf-8"?>
 <p:sld xmlns:a="http://schemas.openxmlformats.org/drawingml/2006/main" xmlns:r="http://schemas.openxmlformats.org/officeDocument/2006/relationships" xmlns:p="http://schemas.openxmlformats.org/presentationml/2006/main">
   <p:cSld>
     <p:spTree>
